--- a/基础PPT/JavaSE进阶第二版/第6章：Java IO基础.pptx
+++ b/基础PPT/JavaSE进阶第二版/第6章：Java IO基础.pptx
@@ -12133,6 +12133,18 @@
               <a:rPr lang="en-US" altLang="zh-CN">
                 <a:sym typeface="+mn-ea"/>
               </a:rPr>
+              <a:t>1</a:t>
+            </a:r>
+            <a:r>
+              <a:rPr lang="zh-CN" altLang="en-US">
+                <a:sym typeface="+mn-ea"/>
+              </a:rPr>
+              <a:t>、</a:t>
+            </a:r>
+            <a:r>
+              <a:rPr lang="en-US" altLang="zh-CN">
+                <a:sym typeface="+mn-ea"/>
+              </a:rPr>
               <a:t>Java</a:t>
             </a:r>
             <a:r>
@@ -12173,6 +12185,18 @@
               <a:rPr lang="en-US" altLang="zh-CN">
                 <a:sym typeface="+mn-ea"/>
               </a:rPr>
+              <a:t>2</a:t>
+            </a:r>
+            <a:r>
+              <a:rPr lang="zh-CN" altLang="en-US">
+                <a:sym typeface="+mn-ea"/>
+              </a:rPr>
+              <a:t>、</a:t>
+            </a:r>
+            <a:r>
+              <a:rPr lang="en-US" altLang="zh-CN">
+                <a:sym typeface="+mn-ea"/>
+              </a:rPr>
               <a:t>IO </a:t>
             </a:r>
             <a:r>
@@ -12208,6 +12232,18 @@
           <a:p>
             <a:pPr algn="l"/>
             <a:r>
+              <a:rPr lang="en-US" altLang="zh-CN">
+                <a:sym typeface="+mn-ea"/>
+              </a:rPr>
+              <a:t>3</a:t>
+            </a:r>
+            <a:r>
+              <a:rPr lang="zh-CN" altLang="en-US">
+                <a:sym typeface="+mn-ea"/>
+              </a:rPr>
+              <a:t>、</a:t>
+            </a:r>
+            <a:r>
               <a:rPr lang="zh-CN">
                 <a:sym typeface="+mn-ea"/>
               </a:rPr>
@@ -12242,6 +12278,18 @@
           <a:p>
             <a:pPr algn="l"/>
             <a:r>
+              <a:rPr lang="en-US" altLang="zh-CN">
+                <a:sym typeface="+mn-ea"/>
+              </a:rPr>
+              <a:t>4</a:t>
+            </a:r>
+            <a:r>
+              <a:rPr lang="zh-CN" altLang="en-US">
+                <a:sym typeface="+mn-ea"/>
+              </a:rPr>
+              <a:t>、</a:t>
+            </a:r>
+            <a:r>
               <a:rPr lang="zh-CN">
                 <a:sym typeface="+mn-ea"/>
               </a:rPr>
@@ -12277,6 +12325,18 @@
               <a:rPr lang="en-US">
                 <a:sym typeface="+mn-ea"/>
               </a:rPr>
+              <a:t>5</a:t>
+            </a:r>
+            <a:r>
+              <a:rPr lang="zh-CN" altLang="en-US">
+                <a:sym typeface="+mn-ea"/>
+              </a:rPr>
+              <a:t>、</a:t>
+            </a:r>
+            <a:r>
+              <a:rPr lang="en-US">
+                <a:sym typeface="+mn-ea"/>
+              </a:rPr>
               <a:t>S</a:t>
             </a:r>
             <a:r>
@@ -12323,6 +12383,18 @@
               <a:rPr lang="en-US" altLang="zh-CN">
                 <a:sym typeface="+mn-ea"/>
               </a:rPr>
+              <a:t>6</a:t>
+            </a:r>
+            <a:r>
+              <a:rPr lang="zh-CN" altLang="en-US">
+                <a:sym typeface="+mn-ea"/>
+              </a:rPr>
+              <a:t>、</a:t>
+            </a:r>
+            <a:r>
+              <a:rPr lang="en-US" altLang="zh-CN">
+                <a:sym typeface="+mn-ea"/>
+              </a:rPr>
               <a:t>Object</a:t>
             </a:r>
             <a:r>
@@ -12376,6 +12448,18 @@
           <a:p>
             <a:pPr algn="l"/>
             <a:r>
+              <a:rPr lang="en-US" altLang="zh-CN">
+                <a:sym typeface="+mn-ea"/>
+              </a:rPr>
+              <a:t>7</a:t>
+            </a:r>
+            <a:r>
+              <a:rPr lang="zh-CN" altLang="en-US">
+                <a:sym typeface="+mn-ea"/>
+              </a:rPr>
+              <a:t>、</a:t>
+            </a:r>
+            <a:r>
               <a:rPr lang="zh-CN">
                 <a:sym typeface="+mn-ea"/>
               </a:rPr>
@@ -12416,6 +12500,18 @@
           <a:p>
             <a:pPr algn="l"/>
             <a:r>
+              <a:rPr lang="en-US" altLang="zh-CN">
+                <a:sym typeface="+mn-ea"/>
+              </a:rPr>
+              <a:t>8</a:t>
+            </a:r>
+            <a:r>
+              <a:rPr lang="zh-CN" altLang="en-US">
+                <a:sym typeface="+mn-ea"/>
+              </a:rPr>
+              <a:t>、</a:t>
+            </a:r>
+            <a:r>
               <a:rPr lang="zh-CN">
                 <a:sym typeface="+mn-ea"/>
               </a:rPr>
@@ -12454,6 +12550,18 @@
           <a:p>
             <a:pPr algn="l"/>
             <a:r>
+              <a:rPr lang="en-US" altLang="zh-CN">
+                <a:sym typeface="+mn-ea"/>
+              </a:rPr>
+              <a:t>9</a:t>
+            </a:r>
+            <a:r>
+              <a:rPr lang="zh-CN" altLang="en-US">
+                <a:sym typeface="+mn-ea"/>
+              </a:rPr>
+              <a:t>、</a:t>
+            </a:r>
+            <a:r>
               <a:rPr lang="zh-CN">
                 <a:sym typeface="+mn-ea"/>
               </a:rPr>
@@ -12485,6 +12593,18 @@
           </a:bodyPr>
           <a:p>
             <a:pPr algn="l"/>
+            <a:r>
+              <a:rPr lang="en-US" altLang="zh-CN">
+                <a:sym typeface="+mn-ea"/>
+              </a:rPr>
+              <a:t>10</a:t>
+            </a:r>
+            <a:r>
+              <a:rPr lang="zh-CN" altLang="en-US">
+                <a:sym typeface="+mn-ea"/>
+              </a:rPr>
+              <a:t>、</a:t>
+            </a:r>
             <a:r>
               <a:rPr lang="zh-CN" altLang="en-US">
                 <a:sym typeface="+mn-ea"/>
